--- a/app/certificate-data/completion-certificate-templates/certificate_of_completion_2.pptx
+++ b/app/certificate-data/completion-certificate-templates/certificate_of_completion_2.pptx
@@ -3311,8 +3311,8 @@
         </p:nvSpPr>
         <p:spPr bwMode="auto">
           <a:xfrm flipH="0" flipV="0">
-            <a:off x="361601" y="6553163"/>
-            <a:ext cx="1572699" cy="274356"/>
+            <a:off x="361600" y="6553162"/>
+            <a:ext cx="5733567" cy="274356"/>
           </a:xfrm>
           <a:prstGeom prst="rect">
             <a:avLst/>
@@ -3367,7 +3367,7 @@
         </p:nvSpPr>
         <p:spPr bwMode="auto">
           <a:xfrm flipH="0" flipV="0">
-            <a:off x="10417852" y="582597"/>
+            <a:off x="9918482" y="582597"/>
             <a:ext cx="541539" cy="228636"/>
           </a:xfrm>
           <a:prstGeom prst="rect">
